--- a/assets uarm/2024 1/controles de lectura.pptx
+++ b/assets uarm/2024 1/controles de lectura.pptx
@@ -8,6 +8,7 @@
     <p:sldId id="256" r:id="rId2"/>
     <p:sldId id="257" r:id="rId3"/>
     <p:sldId id="258" r:id="rId4"/>
+    <p:sldId id="259" r:id="rId5"/>
   </p:sldIdLst>
   <p:sldSz cx="12192000" cy="6858000"/>
   <p:notesSz cx="6858000" cy="9144000"/>
@@ -106,6 +107,11 @@
       </a:defRPr>
     </a:lvl9pPr>
   </p:defaultTextStyle>
+  <p:extLst>
+    <p:ext uri="{EFAFB233-063F-42B5-8137-9DF3F51BA10A}">
+      <p15:sldGuideLst xmlns:p15="http://schemas.microsoft.com/office/powerpoint/2012/main"/>
+    </p:ext>
+  </p:extLst>
 </p:presentation>
 </file>
 
@@ -240,7 +246,7 @@
           <a:p>
             <a:fld id="{21F5A336-43BC-4A18-8951-CE5856EC981F}" type="datetimeFigureOut">
               <a:rPr lang="es-PE" smtClean="0"/>
-              <a:t>23/04/2024</a:t>
+              <a:t>12/05/2024</a:t>
             </a:fld>
             <a:endParaRPr lang="es-PE"/>
           </a:p>
@@ -410,7 +416,7 @@
           <a:p>
             <a:fld id="{21F5A336-43BC-4A18-8951-CE5856EC981F}" type="datetimeFigureOut">
               <a:rPr lang="es-PE" smtClean="0"/>
-              <a:t>23/04/2024</a:t>
+              <a:t>12/05/2024</a:t>
             </a:fld>
             <a:endParaRPr lang="es-PE"/>
           </a:p>
@@ -590,7 +596,7 @@
           <a:p>
             <a:fld id="{21F5A336-43BC-4A18-8951-CE5856EC981F}" type="datetimeFigureOut">
               <a:rPr lang="es-PE" smtClean="0"/>
-              <a:t>23/04/2024</a:t>
+              <a:t>12/05/2024</a:t>
             </a:fld>
             <a:endParaRPr lang="es-PE"/>
           </a:p>
@@ -760,7 +766,7 @@
           <a:p>
             <a:fld id="{21F5A336-43BC-4A18-8951-CE5856EC981F}" type="datetimeFigureOut">
               <a:rPr lang="es-PE" smtClean="0"/>
-              <a:t>23/04/2024</a:t>
+              <a:t>12/05/2024</a:t>
             </a:fld>
             <a:endParaRPr lang="es-PE"/>
           </a:p>
@@ -1006,7 +1012,7 @@
           <a:p>
             <a:fld id="{21F5A336-43BC-4A18-8951-CE5856EC981F}" type="datetimeFigureOut">
               <a:rPr lang="es-PE" smtClean="0"/>
-              <a:t>23/04/2024</a:t>
+              <a:t>12/05/2024</a:t>
             </a:fld>
             <a:endParaRPr lang="es-PE"/>
           </a:p>
@@ -1238,7 +1244,7 @@
           <a:p>
             <a:fld id="{21F5A336-43BC-4A18-8951-CE5856EC981F}" type="datetimeFigureOut">
               <a:rPr lang="es-PE" smtClean="0"/>
-              <a:t>23/04/2024</a:t>
+              <a:t>12/05/2024</a:t>
             </a:fld>
             <a:endParaRPr lang="es-PE"/>
           </a:p>
@@ -1605,7 +1611,7 @@
           <a:p>
             <a:fld id="{21F5A336-43BC-4A18-8951-CE5856EC981F}" type="datetimeFigureOut">
               <a:rPr lang="es-PE" smtClean="0"/>
-              <a:t>23/04/2024</a:t>
+              <a:t>12/05/2024</a:t>
             </a:fld>
             <a:endParaRPr lang="es-PE"/>
           </a:p>
@@ -1723,7 +1729,7 @@
           <a:p>
             <a:fld id="{21F5A336-43BC-4A18-8951-CE5856EC981F}" type="datetimeFigureOut">
               <a:rPr lang="es-PE" smtClean="0"/>
-              <a:t>23/04/2024</a:t>
+              <a:t>12/05/2024</a:t>
             </a:fld>
             <a:endParaRPr lang="es-PE"/>
           </a:p>
@@ -1818,7 +1824,7 @@
           <a:p>
             <a:fld id="{21F5A336-43BC-4A18-8951-CE5856EC981F}" type="datetimeFigureOut">
               <a:rPr lang="es-PE" smtClean="0"/>
-              <a:t>23/04/2024</a:t>
+              <a:t>12/05/2024</a:t>
             </a:fld>
             <a:endParaRPr lang="es-PE"/>
           </a:p>
@@ -2095,7 +2101,7 @@
           <a:p>
             <a:fld id="{21F5A336-43BC-4A18-8951-CE5856EC981F}" type="datetimeFigureOut">
               <a:rPr lang="es-PE" smtClean="0"/>
-              <a:t>23/04/2024</a:t>
+              <a:t>12/05/2024</a:t>
             </a:fld>
             <a:endParaRPr lang="es-PE"/>
           </a:p>
@@ -2348,7 +2354,7 @@
           <a:p>
             <a:fld id="{21F5A336-43BC-4A18-8951-CE5856EC981F}" type="datetimeFigureOut">
               <a:rPr lang="es-PE" smtClean="0"/>
-              <a:t>23/04/2024</a:t>
+              <a:t>12/05/2024</a:t>
             </a:fld>
             <a:endParaRPr lang="es-PE"/>
           </a:p>
@@ -2561,7 +2567,7 @@
           <a:p>
             <a:fld id="{21F5A336-43BC-4A18-8951-CE5856EC981F}" type="datetimeFigureOut">
               <a:rPr lang="es-PE" smtClean="0"/>
-              <a:t>23/04/2024</a:t>
+              <a:t>12/05/2024</a:t>
             </a:fld>
             <a:endParaRPr lang="es-PE"/>
           </a:p>
@@ -3901,6 +3907,338 @@
 </p:sld>
 </file>
 
+<file path=ppt/slides/slide4.xml><?xml version="1.0" encoding="utf-8"?>
+<p:sld xmlns:a="http://schemas.openxmlformats.org/drawingml/2006/main" xmlns:r="http://schemas.openxmlformats.org/officeDocument/2006/relationships" xmlns:p="http://schemas.openxmlformats.org/presentationml/2006/main">
+  <p:cSld>
+    <p:spTree>
+      <p:nvGrpSpPr>
+        <p:cNvPr id="1" name=""/>
+        <p:cNvGrpSpPr/>
+        <p:nvPr/>
+      </p:nvGrpSpPr>
+      <p:grpSpPr>
+        <a:xfrm>
+          <a:off x="0" y="0"/>
+          <a:ext cx="0" cy="0"/>
+          <a:chOff x="0" y="0"/>
+          <a:chExt cx="0" cy="0"/>
+        </a:xfrm>
+      </p:grpSpPr>
+      <p:pic>
+        <p:nvPicPr>
+          <p:cNvPr id="4" name="Imagen 3"/>
+          <p:cNvPicPr>
+            <a:picLocks noChangeAspect="1"/>
+          </p:cNvPicPr>
+          <p:nvPr/>
+        </p:nvPicPr>
+        <p:blipFill>
+          <a:blip r:embed="rId2"/>
+          <a:stretch>
+            <a:fillRect/>
+          </a:stretch>
+        </p:blipFill>
+        <p:spPr>
+          <a:xfrm>
+            <a:off x="309290" y="154577"/>
+            <a:ext cx="2237967" cy="1034151"/>
+          </a:xfrm>
+          <a:prstGeom prst="rect">
+            <a:avLst/>
+          </a:prstGeom>
+        </p:spPr>
+      </p:pic>
+      <p:sp>
+        <p:nvSpPr>
+          <p:cNvPr id="5" name="CuadroTexto 4"/>
+          <p:cNvSpPr txBox="1"/>
+          <p:nvPr/>
+        </p:nvSpPr>
+        <p:spPr>
+          <a:xfrm>
+            <a:off x="3500845" y="173065"/>
+            <a:ext cx="6400800" cy="1015663"/>
+          </a:xfrm>
+          <a:prstGeom prst="rect">
+            <a:avLst/>
+          </a:prstGeom>
+          <a:noFill/>
+        </p:spPr>
+        <p:txBody>
+          <a:bodyPr wrap="square" rtlCol="0">
+            <a:spAutoFit/>
+          </a:bodyPr>
+          <a:lstStyle/>
+          <a:p>
+            <a:pPr algn="ctr"/>
+            <a:r>
+              <a:rPr lang="es-PE" dirty="0" smtClean="0"/>
+              <a:t>Historia de la Filosofía Moderna</a:t>
+            </a:r>
+          </a:p>
+          <a:p>
+            <a:pPr algn="ctr"/>
+            <a:endParaRPr lang="es-PE" dirty="0"/>
+          </a:p>
+          <a:p>
+            <a:pPr algn="ctr"/>
+            <a:r>
+              <a:rPr lang="es-PE" sz="2400" b="1" u="sng" dirty="0" smtClean="0"/>
+              <a:t>2ndo</a:t>
+            </a:r>
+            <a:r>
+              <a:rPr lang="es-PE" sz="2400" b="1" u="sng" dirty="0" smtClean="0"/>
+              <a:t> </a:t>
+            </a:r>
+            <a:r>
+              <a:rPr lang="es-PE" sz="2400" b="1" u="sng" dirty="0" smtClean="0"/>
+              <a:t>Control de Lectura</a:t>
+            </a:r>
+            <a:endParaRPr lang="es-PE" sz="2400" b="1" u="sng" dirty="0"/>
+          </a:p>
+        </p:txBody>
+      </p:sp>
+      <p:sp>
+        <p:nvSpPr>
+          <p:cNvPr id="6" name="CuadroTexto 5"/>
+          <p:cNvSpPr txBox="1"/>
+          <p:nvPr/>
+        </p:nvSpPr>
+        <p:spPr>
+          <a:xfrm>
+            <a:off x="1939833" y="1327845"/>
+            <a:ext cx="9522823" cy="4801314"/>
+          </a:xfrm>
+          <a:prstGeom prst="rect">
+            <a:avLst/>
+          </a:prstGeom>
+          <a:noFill/>
+        </p:spPr>
+        <p:txBody>
+          <a:bodyPr wrap="square" rtlCol="0">
+            <a:spAutoFit/>
+          </a:bodyPr>
+          <a:lstStyle/>
+          <a:p>
+            <a:r>
+              <a:rPr lang="es-PE" dirty="0" smtClean="0"/>
+              <a:t>Texto:</a:t>
+            </a:r>
+            <a:endParaRPr lang="es-PE" dirty="0" smtClean="0"/>
+          </a:p>
+          <a:p>
+            <a:pPr marL="285750" indent="-285750">
+              <a:buFontTx/>
+              <a:buChar char="-"/>
+            </a:pPr>
+            <a:r>
+              <a:rPr lang="es-PE" dirty="0" smtClean="0"/>
+              <a:t>Descartes, R. Meditaciones metafísicas 1 y 2.</a:t>
+            </a:r>
+            <a:endParaRPr lang="es-PE" dirty="0" smtClean="0"/>
+          </a:p>
+          <a:p>
+            <a:pPr marL="285750" indent="-285750">
+              <a:buFontTx/>
+              <a:buChar char="-"/>
+            </a:pPr>
+            <a:endParaRPr lang="es-PE" dirty="0"/>
+          </a:p>
+          <a:p>
+            <a:r>
+              <a:rPr lang="es-PE" dirty="0" smtClean="0"/>
+              <a:t>Indicaciones: </a:t>
+            </a:r>
+          </a:p>
+          <a:p>
+            <a:endParaRPr lang="es-PE" dirty="0"/>
+          </a:p>
+          <a:p>
+            <a:pPr marL="285750" indent="-285750">
+              <a:buFontTx/>
+              <a:buChar char="-"/>
+            </a:pPr>
+            <a:r>
+              <a:rPr lang="es-PE" dirty="0" smtClean="0"/>
+              <a:t>Leer </a:t>
+            </a:r>
+            <a:r>
+              <a:rPr lang="es-PE" dirty="0" smtClean="0"/>
+              <a:t>el texto </a:t>
+            </a:r>
+            <a:r>
+              <a:rPr lang="es-PE" dirty="0" smtClean="0"/>
+              <a:t>con </a:t>
+            </a:r>
+            <a:r>
+              <a:rPr lang="es-PE" dirty="0" smtClean="0"/>
+              <a:t>atención y extraer las ideas principales. </a:t>
+            </a:r>
+          </a:p>
+          <a:p>
+            <a:pPr marL="285750" indent="-285750">
+              <a:buFontTx/>
+              <a:buChar char="-"/>
+            </a:pPr>
+            <a:r>
+              <a:rPr lang="es-PE" dirty="0"/>
+              <a:t>Encender una vela, observarla por 15 </a:t>
+            </a:r>
+            <a:r>
+              <a:rPr lang="es-PE" dirty="0" err="1"/>
+              <a:t>mins</a:t>
+            </a:r>
+            <a:r>
+              <a:rPr lang="es-PE" dirty="0"/>
+              <a:t> y meditar en las ideas de Descartes.</a:t>
+            </a:r>
+          </a:p>
+          <a:p>
+            <a:pPr marL="285750" indent="-285750">
+              <a:buFontTx/>
+              <a:buChar char="-"/>
+            </a:pPr>
+            <a:r>
+              <a:rPr lang="es-PE" dirty="0" smtClean="0"/>
+              <a:t>Seleccionar 1 o más citas. </a:t>
+            </a:r>
+          </a:p>
+          <a:p>
+            <a:pPr marL="285750" indent="-285750">
+              <a:buFontTx/>
+              <a:buChar char="-"/>
+            </a:pPr>
+            <a:r>
+              <a:rPr lang="es-PE" dirty="0" smtClean="0"/>
+              <a:t>Comentar brevemente la cita. (!Citarlo adecuadamente!). </a:t>
+            </a:r>
+          </a:p>
+          <a:p>
+            <a:pPr marL="285750" indent="-285750">
+              <a:buFontTx/>
+              <a:buChar char="-"/>
+            </a:pPr>
+            <a:r>
+              <a:rPr lang="es-PE" dirty="0" smtClean="0"/>
+              <a:t>Entregar cita(s) y comentario(s). </a:t>
+            </a:r>
+            <a:endParaRPr lang="es-PE" dirty="0" smtClean="0"/>
+          </a:p>
+          <a:p>
+            <a:pPr marL="285750" indent="-285750">
+              <a:buFontTx/>
+              <a:buChar char="-"/>
+            </a:pPr>
+            <a:endParaRPr lang="es-PE" dirty="0" smtClean="0"/>
+          </a:p>
+          <a:p>
+            <a:pPr marL="285750" indent="-285750">
+              <a:buFontTx/>
+              <a:buChar char="-"/>
+            </a:pPr>
+            <a:r>
+              <a:rPr lang="es-PE" dirty="0" smtClean="0"/>
+              <a:t>Fecha </a:t>
+            </a:r>
+            <a:r>
+              <a:rPr lang="es-PE" dirty="0" smtClean="0"/>
+              <a:t>límite: Domingo </a:t>
+            </a:r>
+            <a:r>
+              <a:rPr lang="es-PE" dirty="0" smtClean="0"/>
+              <a:t>25 </a:t>
+            </a:r>
+            <a:r>
+              <a:rPr lang="es-PE" dirty="0" smtClean="0"/>
+              <a:t>de Mayo (Semana </a:t>
+            </a:r>
+            <a:r>
+              <a:rPr lang="es-PE" dirty="0" smtClean="0"/>
+              <a:t>7, antes de la semana de parciales)</a:t>
+            </a:r>
+            <a:endParaRPr lang="es-PE" dirty="0" smtClean="0"/>
+          </a:p>
+          <a:p>
+            <a:pPr marL="285750" indent="-285750">
+              <a:buFontTx/>
+              <a:buChar char="-"/>
+            </a:pPr>
+            <a:r>
+              <a:rPr lang="es-PE" dirty="0" smtClean="0"/>
+              <a:t>Enviar </a:t>
+            </a:r>
+            <a:r>
+              <a:rPr lang="es-PE" dirty="0" smtClean="0"/>
+              <a:t>documento a: </a:t>
+            </a:r>
+            <a:r>
+              <a:rPr lang="es-PE" dirty="0" smtClean="0">
+                <a:hlinkClick r:id="rId3"/>
+              </a:rPr>
+              <a:t>cletothar@Gmail.com</a:t>
+            </a:r>
+            <a:r>
+              <a:rPr lang="es-PE" dirty="0" smtClean="0"/>
+              <a:t> con asunto: Control </a:t>
+            </a:r>
+            <a:r>
+              <a:rPr lang="es-PE" dirty="0" smtClean="0"/>
+              <a:t>2 </a:t>
+            </a:r>
+            <a:r>
+              <a:rPr lang="es-PE" dirty="0" err="1" smtClean="0"/>
+              <a:t>FiloModerna</a:t>
+            </a:r>
+            <a:endParaRPr lang="es-PE" dirty="0" smtClean="0"/>
+          </a:p>
+          <a:p>
+            <a:pPr marL="285750" indent="-285750">
+              <a:buFontTx/>
+              <a:buChar char="-"/>
+            </a:pPr>
+            <a:r>
+              <a:rPr lang="es-PE" dirty="0" smtClean="0"/>
+              <a:t>El nombre del archivo debe ser el siguiente: </a:t>
+            </a:r>
+            <a:r>
+              <a:rPr lang="es-PE" dirty="0" smtClean="0">
+                <a:solidFill>
+                  <a:srgbClr val="FF0000"/>
+                </a:solidFill>
+              </a:rPr>
+              <a:t>ApellidosControl2FiloModerna</a:t>
+            </a:r>
+            <a:endParaRPr lang="es-PE" dirty="0"/>
+          </a:p>
+          <a:p>
+            <a:pPr marL="285750" indent="-285750">
+              <a:buFontTx/>
+              <a:buChar char="-"/>
+            </a:pPr>
+            <a:r>
+              <a:rPr lang="es-PE" dirty="0" smtClean="0"/>
+              <a:t>Al finalizar la recepción de controles, se brindará el compendio de pasajes (no los comentarios) para uso común, con la finalidad de ejercer un examen parcial más riguroso y preciso. </a:t>
+            </a:r>
+            <a:endParaRPr lang="es-PE" dirty="0" smtClean="0"/>
+          </a:p>
+          <a:p>
+            <a:endParaRPr lang="es-PE" dirty="0" smtClean="0"/>
+          </a:p>
+        </p:txBody>
+      </p:sp>
+    </p:spTree>
+    <p:extLst>
+      <p:ext uri="{BB962C8B-B14F-4D97-AF65-F5344CB8AC3E}">
+        <p14:creationId xmlns:p14="http://schemas.microsoft.com/office/powerpoint/2010/main" val="436255561"/>
+      </p:ext>
+    </p:extLst>
+  </p:cSld>
+  <p:clrMapOvr>
+    <a:masterClrMapping/>
+  </p:clrMapOvr>
+</p:sld>
+</file>
+
 <file path=ppt/theme/theme1.xml><?xml version="1.0" encoding="utf-8"?>
 <a:theme xmlns:a="http://schemas.openxmlformats.org/drawingml/2006/main" name="Tema de Office">
   <a:themeElements>
